--- a/Ch02_微信小程序组件/微信小程序——表单2.pptx
+++ b/Ch02_微信小程序组件/微信小程序——表单2.pptx
@@ -9,13 +9,14 @@
   </p:notesMasterIdLst>
   <p:sldIdLst>
     <p:sldId id="256" r:id="rId3"/>
-    <p:sldId id="438" r:id="rId5"/>
-    <p:sldId id="439" r:id="rId6"/>
-    <p:sldId id="440" r:id="rId7"/>
-    <p:sldId id="441" r:id="rId8"/>
-    <p:sldId id="442" r:id="rId9"/>
-    <p:sldId id="443" r:id="rId10"/>
-    <p:sldId id="291" r:id="rId11"/>
+    <p:sldId id="445" r:id="rId5"/>
+    <p:sldId id="438" r:id="rId6"/>
+    <p:sldId id="439" r:id="rId7"/>
+    <p:sldId id="440" r:id="rId8"/>
+    <p:sldId id="441" r:id="rId9"/>
+    <p:sldId id="442" r:id="rId10"/>
+    <p:sldId id="443" r:id="rId11"/>
+    <p:sldId id="291" r:id="rId12"/>
   </p:sldIdLst>
   <p:sldSz cx="12192000" cy="6858000"/>
   <p:notesSz cx="7103745" cy="10234295"/>
@@ -564,36 +565,19 @@
       </p:grpSpPr>
       <p:sp>
         <p:nvSpPr>
-          <p:cNvPr id="15362" name="幻灯片图像占位符 1"/>
+          <p:cNvPr id="2" name="幻灯片图像占位符 1"/>
           <p:cNvSpPr>
-            <a:spLocks noGrp="1" noRot="1" noChangeAspect="1" noTextEdit="1"/>
+            <a:spLocks noGrp="1" noRot="1" noChangeAspect="1"/>
           </p:cNvSpPr>
           <p:nvPr>
             <p:ph type="sldImg"/>
           </p:nvPr>
         </p:nvSpPr>
-        <p:spPr bwMode="auto">
-          <a:noFill/>
-          <a:ln>
-            <a:solidFill>
-              <a:srgbClr val="000000"/>
-            </a:solidFill>
-            <a:miter lim="800000"/>
-          </a:ln>
-          <a:extLst>
-            <a:ext uri="{909E8E84-426E-40DD-AFC4-6F175D3DCCD1}">
-              <a14:hiddenFill xmlns:a14="http://schemas.microsoft.com/office/drawing/2010/main">
-                <a:solidFill>
-                  <a:srgbClr val="FFFFFF"/>
-                </a:solidFill>
-              </a14:hiddenFill>
-            </a:ext>
-          </a:extLst>
-        </p:spPr>
+        <p:spPr/>
       </p:sp>
       <p:sp>
         <p:nvSpPr>
-          <p:cNvPr id="15363" name="备注占位符 2"/>
+          <p:cNvPr id="3" name="备注占位符 2"/>
           <p:cNvSpPr>
             <a:spLocks noGrp="1"/>
           </p:cNvSpPr>
@@ -601,199 +585,37 @@
             <p:ph type="body" idx="1"/>
           </p:nvPr>
         </p:nvSpPr>
-        <p:spPr bwMode="auto">
-          <a:noFill/>
-          <a:extLst>
-            <a:ext uri="{909E8E84-426E-40DD-AFC4-6F175D3DCCD1}">
-              <a14:hiddenFill xmlns:a14="http://schemas.microsoft.com/office/drawing/2010/main">
-                <a:solidFill>
-                  <a:srgbClr val="FFFFFF"/>
-                </a:solidFill>
-              </a14:hiddenFill>
-            </a:ext>
-            <a:ext uri="{91240B29-F687-4F45-9708-019B960494DF}">
-              <a14:hiddenLine xmlns:a14="http://schemas.microsoft.com/office/drawing/2010/main" w="9525">
-                <a:solidFill>
-                  <a:srgbClr val="000000"/>
-                </a:solidFill>
-                <a:miter lim="800000"/>
-                <a:headEnd/>
-                <a:tailEnd/>
-              </a14:hiddenLine>
-            </a:ext>
-          </a:extLst>
-        </p:spPr>
+        <p:spPr/>
         <p:txBody>
-          <a:bodyPr wrap="square" numCol="1" anchor="t" anchorCtr="0" compatLnSpc="1"/>
+          <a:bodyPr/>
           <a:lstStyle/>
           <a:p>
-            <a:pPr eaLnBrk="1" hangingPunct="1">
-              <a:spcBef>
-                <a:spcPct val="0"/>
-              </a:spcBef>
-            </a:pPr>
-            <a:endParaRPr lang="zh-CN" altLang="en-US" smtClean="0"/>
+            <a:endParaRPr lang="zh-CN" altLang="en-US"/>
           </a:p>
         </p:txBody>
       </p:sp>
       <p:sp>
         <p:nvSpPr>
-          <p:cNvPr id="15364" name="灯片编号占位符 3"/>
+          <p:cNvPr id="4" name="灯片编号占位符 3"/>
           <p:cNvSpPr>
             <a:spLocks noGrp="1"/>
           </p:cNvSpPr>
           <p:nvPr>
-            <p:ph type="sldNum" sz="quarter" idx="5"/>
+            <p:ph type="sldNum" sz="quarter" idx="10"/>
           </p:nvPr>
         </p:nvSpPr>
-        <p:spPr bwMode="auto">
-          <a:noFill/>
-          <a:extLst>
-            <a:ext uri="{909E8E84-426E-40DD-AFC4-6F175D3DCCD1}">
-              <a14:hiddenFill xmlns:a14="http://schemas.microsoft.com/office/drawing/2010/main">
-                <a:solidFill>
-                  <a:srgbClr val="FFFFFF"/>
-                </a:solidFill>
-              </a14:hiddenFill>
-            </a:ext>
-            <a:ext uri="{91240B29-F687-4F45-9708-019B960494DF}">
-              <a14:hiddenLine xmlns:a14="http://schemas.microsoft.com/office/drawing/2010/main" w="9525">
-                <a:solidFill>
-                  <a:srgbClr val="000000"/>
-                </a:solidFill>
-                <a:miter lim="800000"/>
-                <a:headEnd/>
-                <a:tailEnd/>
-              </a14:hiddenLine>
-            </a:ext>
-          </a:extLst>
-        </p:spPr>
+        <p:spPr/>
         <p:txBody>
-          <a:bodyPr wrap="square" numCol="1" anchorCtr="0" compatLnSpc="1"/>
-          <a:lstStyle>
-            <a:lvl1pPr>
-              <a:defRPr>
-                <a:solidFill>
-                  <a:schemeClr val="tx1"/>
-                </a:solidFill>
-                <a:latin typeface="Calibri" panose="020F0502020204030204" pitchFamily="34" charset="0"/>
-                <a:ea typeface="幼圆" pitchFamily="49" charset="-122"/>
-              </a:defRPr>
-            </a:lvl1pPr>
-            <a:lvl2pPr marL="742950" indent="-285750">
-              <a:defRPr>
-                <a:solidFill>
-                  <a:schemeClr val="tx1"/>
-                </a:solidFill>
-                <a:latin typeface="Calibri" panose="020F0502020204030204" pitchFamily="34" charset="0"/>
-                <a:ea typeface="幼圆" pitchFamily="49" charset="-122"/>
-              </a:defRPr>
-            </a:lvl2pPr>
-            <a:lvl3pPr marL="1143000" indent="-228600">
-              <a:defRPr>
-                <a:solidFill>
-                  <a:schemeClr val="tx1"/>
-                </a:solidFill>
-                <a:latin typeface="Calibri" panose="020F0502020204030204" pitchFamily="34" charset="0"/>
-                <a:ea typeface="幼圆" pitchFamily="49" charset="-122"/>
-              </a:defRPr>
-            </a:lvl3pPr>
-            <a:lvl4pPr marL="1600200" indent="-228600">
-              <a:defRPr>
-                <a:solidFill>
-                  <a:schemeClr val="tx1"/>
-                </a:solidFill>
-                <a:latin typeface="Calibri" panose="020F0502020204030204" pitchFamily="34" charset="0"/>
-                <a:ea typeface="幼圆" pitchFamily="49" charset="-122"/>
-              </a:defRPr>
-            </a:lvl4pPr>
-            <a:lvl5pPr marL="2057400" indent="-228600">
-              <a:defRPr>
-                <a:solidFill>
-                  <a:schemeClr val="tx1"/>
-                </a:solidFill>
-                <a:latin typeface="Calibri" panose="020F0502020204030204" pitchFamily="34" charset="0"/>
-                <a:ea typeface="幼圆" pitchFamily="49" charset="-122"/>
-              </a:defRPr>
-            </a:lvl5pPr>
-            <a:lvl6pPr marL="2514600" indent="-228600" eaLnBrk="0" fontAlgn="base" hangingPunct="0">
-              <a:spcBef>
-                <a:spcPct val="0"/>
-              </a:spcBef>
-              <a:spcAft>
-                <a:spcPct val="0"/>
-              </a:spcAft>
-              <a:defRPr>
-                <a:solidFill>
-                  <a:schemeClr val="tx1"/>
-                </a:solidFill>
-                <a:latin typeface="Calibri" panose="020F0502020204030204" pitchFamily="34" charset="0"/>
-                <a:ea typeface="幼圆" pitchFamily="49" charset="-122"/>
-              </a:defRPr>
-            </a:lvl6pPr>
-            <a:lvl7pPr marL="2971800" indent="-228600" eaLnBrk="0" fontAlgn="base" hangingPunct="0">
-              <a:spcBef>
-                <a:spcPct val="0"/>
-              </a:spcBef>
-              <a:spcAft>
-                <a:spcPct val="0"/>
-              </a:spcAft>
-              <a:defRPr>
-                <a:solidFill>
-                  <a:schemeClr val="tx1"/>
-                </a:solidFill>
-                <a:latin typeface="Calibri" panose="020F0502020204030204" pitchFamily="34" charset="0"/>
-                <a:ea typeface="幼圆" pitchFamily="49" charset="-122"/>
-              </a:defRPr>
-            </a:lvl7pPr>
-            <a:lvl8pPr marL="3429000" indent="-228600" eaLnBrk="0" fontAlgn="base" hangingPunct="0">
-              <a:spcBef>
-                <a:spcPct val="0"/>
-              </a:spcBef>
-              <a:spcAft>
-                <a:spcPct val="0"/>
-              </a:spcAft>
-              <a:defRPr>
-                <a:solidFill>
-                  <a:schemeClr val="tx1"/>
-                </a:solidFill>
-                <a:latin typeface="Calibri" panose="020F0502020204030204" pitchFamily="34" charset="0"/>
-                <a:ea typeface="幼圆" pitchFamily="49" charset="-122"/>
-              </a:defRPr>
-            </a:lvl8pPr>
-            <a:lvl9pPr marL="3886200" indent="-228600" eaLnBrk="0" fontAlgn="base" hangingPunct="0">
-              <a:spcBef>
-                <a:spcPct val="0"/>
-              </a:spcBef>
-              <a:spcAft>
-                <a:spcPct val="0"/>
-              </a:spcAft>
-              <a:defRPr>
-                <a:solidFill>
-                  <a:schemeClr val="tx1"/>
-                </a:solidFill>
-                <a:latin typeface="Calibri" panose="020F0502020204030204" pitchFamily="34" charset="0"/>
-                <a:ea typeface="幼圆" pitchFamily="49" charset="-122"/>
-              </a:defRPr>
-            </a:lvl9pPr>
-          </a:lstStyle>
-          <a:p>
-            <a:pPr fontAlgn="base">
-              <a:spcBef>
-                <a:spcPct val="0"/>
-              </a:spcBef>
-              <a:spcAft>
-                <a:spcPct val="0"/>
-              </a:spcAft>
+          <a:bodyPr/>
+          <a:lstStyle/>
+          <a:p>
+            <a:pPr>
+              <a:defRPr/>
             </a:pPr>
-            <a:fld id="{6D059ADB-189C-4C4C-BD5F-2F612A71A919}" type="slidenum">
-              <a:rPr lang="zh-CN" altLang="en-US" smtClean="0">
-                <a:ea typeface="宋体" panose="02010600030101010101" pitchFamily="2" charset="-122"/>
-              </a:rPr>
+            <a:fld id="{61854D89-3615-48C6-AF15-CC62D749EC49}" type="slidenum">
+              <a:rPr lang="zh-CN" altLang="en-US" smtClean="0"/>
             </a:fld>
-            <a:endParaRPr lang="zh-CN" altLang="en-US" smtClean="0">
-              <a:ea typeface="宋体" panose="02010600030101010101" pitchFamily="2" charset="-122"/>
-            </a:endParaRPr>
+            <a:endParaRPr lang="zh-CN" altLang="en-US"/>
           </a:p>
         </p:txBody>
       </p:sp>
@@ -892,10 +714,6 @@
                 <a:spcPct val="0"/>
               </a:spcBef>
             </a:pPr>
-            <a:r>
-              <a:rPr lang="zh-CN" altLang="en-US" smtClean="0"/>
-              <a:t>bindconfirm 。为了更好的操作体验，点击键盘的完成按钮时触发，event.detail = {value: value}</a:t>
-            </a:r>
             <a:endParaRPr lang="zh-CN" altLang="en-US" smtClean="0"/>
           </a:p>
         </p:txBody>
@@ -1156,6 +974,10 @@
                 <a:spcPct val="0"/>
               </a:spcBef>
             </a:pPr>
+            <a:r>
+              <a:rPr lang="zh-CN" altLang="en-US" smtClean="0"/>
+              <a:t>bindconfirm 。为了更好的操作体验，点击键盘的完成按钮时触发，event.detail = {value: value}</a:t>
+            </a:r>
             <a:endParaRPr lang="zh-CN" altLang="en-US" smtClean="0"/>
           </a:p>
         </p:txBody>
@@ -2110,6 +1932,266 @@
 </file>
 
 <file path=ppt/notesSlides/notesSlide8.xml><?xml version="1.0" encoding="utf-8"?>
+<p:notes xmlns:a="http://schemas.openxmlformats.org/drawingml/2006/main" xmlns:r="http://schemas.openxmlformats.org/officeDocument/2006/relationships" xmlns:p="http://schemas.openxmlformats.org/presentationml/2006/main">
+  <p:cSld>
+    <p:spTree>
+      <p:nvGrpSpPr>
+        <p:cNvPr id="1" name=""/>
+        <p:cNvGrpSpPr/>
+        <p:nvPr/>
+      </p:nvGrpSpPr>
+      <p:grpSpPr>
+        <a:xfrm>
+          <a:off x="0" y="0"/>
+          <a:ext cx="0" cy="0"/>
+          <a:chOff x="0" y="0"/>
+          <a:chExt cx="0" cy="0"/>
+        </a:xfrm>
+      </p:grpSpPr>
+      <p:sp>
+        <p:nvSpPr>
+          <p:cNvPr id="15362" name="幻灯片图像占位符 1"/>
+          <p:cNvSpPr>
+            <a:spLocks noGrp="1" noRot="1" noChangeAspect="1" noTextEdit="1"/>
+          </p:cNvSpPr>
+          <p:nvPr>
+            <p:ph type="sldImg"/>
+          </p:nvPr>
+        </p:nvSpPr>
+        <p:spPr bwMode="auto">
+          <a:noFill/>
+          <a:ln>
+            <a:solidFill>
+              <a:srgbClr val="000000"/>
+            </a:solidFill>
+            <a:miter lim="800000"/>
+          </a:ln>
+          <a:extLst>
+            <a:ext uri="{909E8E84-426E-40DD-AFC4-6F175D3DCCD1}">
+              <a14:hiddenFill xmlns:a14="http://schemas.microsoft.com/office/drawing/2010/main">
+                <a:solidFill>
+                  <a:srgbClr val="FFFFFF"/>
+                </a:solidFill>
+              </a14:hiddenFill>
+            </a:ext>
+          </a:extLst>
+        </p:spPr>
+      </p:sp>
+      <p:sp>
+        <p:nvSpPr>
+          <p:cNvPr id="15363" name="备注占位符 2"/>
+          <p:cNvSpPr>
+            <a:spLocks noGrp="1"/>
+          </p:cNvSpPr>
+          <p:nvPr>
+            <p:ph type="body" idx="1"/>
+          </p:nvPr>
+        </p:nvSpPr>
+        <p:spPr bwMode="auto">
+          <a:noFill/>
+          <a:extLst>
+            <a:ext uri="{909E8E84-426E-40DD-AFC4-6F175D3DCCD1}">
+              <a14:hiddenFill xmlns:a14="http://schemas.microsoft.com/office/drawing/2010/main">
+                <a:solidFill>
+                  <a:srgbClr val="FFFFFF"/>
+                </a:solidFill>
+              </a14:hiddenFill>
+            </a:ext>
+            <a:ext uri="{91240B29-F687-4F45-9708-019B960494DF}">
+              <a14:hiddenLine xmlns:a14="http://schemas.microsoft.com/office/drawing/2010/main" w="9525">
+                <a:solidFill>
+                  <a:srgbClr val="000000"/>
+                </a:solidFill>
+                <a:miter lim="800000"/>
+                <a:headEnd/>
+                <a:tailEnd/>
+              </a14:hiddenLine>
+            </a:ext>
+          </a:extLst>
+        </p:spPr>
+        <p:txBody>
+          <a:bodyPr wrap="square" numCol="1" anchor="t" anchorCtr="0" compatLnSpc="1"/>
+          <a:lstStyle/>
+          <a:p>
+            <a:pPr eaLnBrk="1" hangingPunct="1">
+              <a:spcBef>
+                <a:spcPct val="0"/>
+              </a:spcBef>
+            </a:pPr>
+            <a:endParaRPr lang="zh-CN" altLang="en-US" smtClean="0"/>
+          </a:p>
+        </p:txBody>
+      </p:sp>
+      <p:sp>
+        <p:nvSpPr>
+          <p:cNvPr id="15364" name="灯片编号占位符 3"/>
+          <p:cNvSpPr>
+            <a:spLocks noGrp="1"/>
+          </p:cNvSpPr>
+          <p:nvPr>
+            <p:ph type="sldNum" sz="quarter" idx="5"/>
+          </p:nvPr>
+        </p:nvSpPr>
+        <p:spPr bwMode="auto">
+          <a:noFill/>
+          <a:extLst>
+            <a:ext uri="{909E8E84-426E-40DD-AFC4-6F175D3DCCD1}">
+              <a14:hiddenFill xmlns:a14="http://schemas.microsoft.com/office/drawing/2010/main">
+                <a:solidFill>
+                  <a:srgbClr val="FFFFFF"/>
+                </a:solidFill>
+              </a14:hiddenFill>
+            </a:ext>
+            <a:ext uri="{91240B29-F687-4F45-9708-019B960494DF}">
+              <a14:hiddenLine xmlns:a14="http://schemas.microsoft.com/office/drawing/2010/main" w="9525">
+                <a:solidFill>
+                  <a:srgbClr val="000000"/>
+                </a:solidFill>
+                <a:miter lim="800000"/>
+                <a:headEnd/>
+                <a:tailEnd/>
+              </a14:hiddenLine>
+            </a:ext>
+          </a:extLst>
+        </p:spPr>
+        <p:txBody>
+          <a:bodyPr wrap="square" numCol="1" anchorCtr="0" compatLnSpc="1"/>
+          <a:lstStyle>
+            <a:lvl1pPr>
+              <a:defRPr>
+                <a:solidFill>
+                  <a:schemeClr val="tx1"/>
+                </a:solidFill>
+                <a:latin typeface="Calibri" panose="020F0502020204030204" pitchFamily="34" charset="0"/>
+                <a:ea typeface="幼圆" pitchFamily="49" charset="-122"/>
+              </a:defRPr>
+            </a:lvl1pPr>
+            <a:lvl2pPr marL="742950" indent="-285750">
+              <a:defRPr>
+                <a:solidFill>
+                  <a:schemeClr val="tx1"/>
+                </a:solidFill>
+                <a:latin typeface="Calibri" panose="020F0502020204030204" pitchFamily="34" charset="0"/>
+                <a:ea typeface="幼圆" pitchFamily="49" charset="-122"/>
+              </a:defRPr>
+            </a:lvl2pPr>
+            <a:lvl3pPr marL="1143000" indent="-228600">
+              <a:defRPr>
+                <a:solidFill>
+                  <a:schemeClr val="tx1"/>
+                </a:solidFill>
+                <a:latin typeface="Calibri" panose="020F0502020204030204" pitchFamily="34" charset="0"/>
+                <a:ea typeface="幼圆" pitchFamily="49" charset="-122"/>
+              </a:defRPr>
+            </a:lvl3pPr>
+            <a:lvl4pPr marL="1600200" indent="-228600">
+              <a:defRPr>
+                <a:solidFill>
+                  <a:schemeClr val="tx1"/>
+                </a:solidFill>
+                <a:latin typeface="Calibri" panose="020F0502020204030204" pitchFamily="34" charset="0"/>
+                <a:ea typeface="幼圆" pitchFamily="49" charset="-122"/>
+              </a:defRPr>
+            </a:lvl4pPr>
+            <a:lvl5pPr marL="2057400" indent="-228600">
+              <a:defRPr>
+                <a:solidFill>
+                  <a:schemeClr val="tx1"/>
+                </a:solidFill>
+                <a:latin typeface="Calibri" panose="020F0502020204030204" pitchFamily="34" charset="0"/>
+                <a:ea typeface="幼圆" pitchFamily="49" charset="-122"/>
+              </a:defRPr>
+            </a:lvl5pPr>
+            <a:lvl6pPr marL="2514600" indent="-228600" eaLnBrk="0" fontAlgn="base" hangingPunct="0">
+              <a:spcBef>
+                <a:spcPct val="0"/>
+              </a:spcBef>
+              <a:spcAft>
+                <a:spcPct val="0"/>
+              </a:spcAft>
+              <a:defRPr>
+                <a:solidFill>
+                  <a:schemeClr val="tx1"/>
+                </a:solidFill>
+                <a:latin typeface="Calibri" panose="020F0502020204030204" pitchFamily="34" charset="0"/>
+                <a:ea typeface="幼圆" pitchFamily="49" charset="-122"/>
+              </a:defRPr>
+            </a:lvl6pPr>
+            <a:lvl7pPr marL="2971800" indent="-228600" eaLnBrk="0" fontAlgn="base" hangingPunct="0">
+              <a:spcBef>
+                <a:spcPct val="0"/>
+              </a:spcBef>
+              <a:spcAft>
+                <a:spcPct val="0"/>
+              </a:spcAft>
+              <a:defRPr>
+                <a:solidFill>
+                  <a:schemeClr val="tx1"/>
+                </a:solidFill>
+                <a:latin typeface="Calibri" panose="020F0502020204030204" pitchFamily="34" charset="0"/>
+                <a:ea typeface="幼圆" pitchFamily="49" charset="-122"/>
+              </a:defRPr>
+            </a:lvl7pPr>
+            <a:lvl8pPr marL="3429000" indent="-228600" eaLnBrk="0" fontAlgn="base" hangingPunct="0">
+              <a:spcBef>
+                <a:spcPct val="0"/>
+              </a:spcBef>
+              <a:spcAft>
+                <a:spcPct val="0"/>
+              </a:spcAft>
+              <a:defRPr>
+                <a:solidFill>
+                  <a:schemeClr val="tx1"/>
+                </a:solidFill>
+                <a:latin typeface="Calibri" panose="020F0502020204030204" pitchFamily="34" charset="0"/>
+                <a:ea typeface="幼圆" pitchFamily="49" charset="-122"/>
+              </a:defRPr>
+            </a:lvl8pPr>
+            <a:lvl9pPr marL="3886200" indent="-228600" eaLnBrk="0" fontAlgn="base" hangingPunct="0">
+              <a:spcBef>
+                <a:spcPct val="0"/>
+              </a:spcBef>
+              <a:spcAft>
+                <a:spcPct val="0"/>
+              </a:spcAft>
+              <a:defRPr>
+                <a:solidFill>
+                  <a:schemeClr val="tx1"/>
+                </a:solidFill>
+                <a:latin typeface="Calibri" panose="020F0502020204030204" pitchFamily="34" charset="0"/>
+                <a:ea typeface="幼圆" pitchFamily="49" charset="-122"/>
+              </a:defRPr>
+            </a:lvl9pPr>
+          </a:lstStyle>
+          <a:p>
+            <a:pPr fontAlgn="base">
+              <a:spcBef>
+                <a:spcPct val="0"/>
+              </a:spcBef>
+              <a:spcAft>
+                <a:spcPct val="0"/>
+              </a:spcAft>
+            </a:pPr>
+            <a:fld id="{6D059ADB-189C-4C4C-BD5F-2F612A71A919}" type="slidenum">
+              <a:rPr lang="zh-CN" altLang="en-US" smtClean="0">
+                <a:ea typeface="宋体" panose="02010600030101010101" pitchFamily="2" charset="-122"/>
+              </a:rPr>
+            </a:fld>
+            <a:endParaRPr lang="zh-CN" altLang="en-US" smtClean="0">
+              <a:ea typeface="宋体" panose="02010600030101010101" pitchFamily="2" charset="-122"/>
+            </a:endParaRPr>
+          </a:p>
+        </p:txBody>
+      </p:sp>
+    </p:spTree>
+  </p:cSld>
+  <p:clrMapOvr>
+    <a:masterClrMapping/>
+  </p:clrMapOvr>
+</p:notes>
+</file>
+
+<file path=ppt/notesSlides/notesSlide9.xml><?xml version="1.0" encoding="utf-8"?>
 <p:notes xmlns:a="http://schemas.openxmlformats.org/drawingml/2006/main" xmlns:r="http://schemas.openxmlformats.org/officeDocument/2006/relationships" xmlns:p="http://schemas.openxmlformats.org/presentationml/2006/main">
   <p:cSld>
     <p:spTree>
@@ -7726,6 +7808,1058 @@
       </p:grpSpPr>
       <p:sp>
         <p:nvSpPr>
+          <p:cNvPr id="7" name="文本框 6"/>
+          <p:cNvSpPr txBox="1"/>
+          <p:nvPr>
+            <p:custDataLst>
+              <p:tags r:id="rId1"/>
+            </p:custDataLst>
+          </p:nvPr>
+        </p:nvSpPr>
+        <p:spPr>
+          <a:xfrm>
+            <a:off x="2516883" y="3038296"/>
+            <a:ext cx="3238071" cy="699594"/>
+          </a:xfrm>
+          <a:prstGeom prst="rect">
+            <a:avLst/>
+          </a:prstGeom>
+        </p:spPr>
+        <p:txBody>
+          <a:bodyPr vert="horz" lIns="91440" tIns="45720" rIns="91440" bIns="45720" rtlCol="0" anchor="b">
+            <a:normAutofit/>
+          </a:bodyPr>
+          <a:lstStyle>
+            <a:lvl1pPr defTabSz="685800" eaLnBrk="1" latinLnBrk="0" hangingPunct="1">
+              <a:lnSpc>
+                <a:spcPct val="90000"/>
+              </a:lnSpc>
+              <a:buNone/>
+              <a:defRPr sz="3200" b="1" i="0" baseline="0">
+                <a:solidFill>
+                  <a:schemeClr val="accent1">
+                    <a:lumMod val="75000"/>
+                  </a:schemeClr>
+                </a:solidFill>
+                <a:latin typeface="Arial" panose="020B0604020202020204" pitchFamily="34" charset="0"/>
+                <a:ea typeface="黑体" panose="02010609060101010101" pitchFamily="49" charset="-122"/>
+                <a:cs typeface="+mj-cs"/>
+              </a:defRPr>
+            </a:lvl1pPr>
+          </a:lstStyle>
+          <a:p>
+            <a:r>
+              <a:rPr lang="zh-CN" altLang="en-US" sz="3600" dirty="0">
+                <a:latin typeface="微软雅黑" panose="020B0503020204020204" pitchFamily="34" charset="-122"/>
+                <a:ea typeface="微软雅黑" panose="020B0503020204020204" pitchFamily="34" charset="-122"/>
+                <a:sym typeface="+mn-ea"/>
+              </a:rPr>
+              <a:t>表单组件</a:t>
+            </a:r>
+            <a:endParaRPr lang="zh-CN" altLang="en-US" sz="3600" smtClean="0">
+              <a:latin typeface="+mj-lt"/>
+              <a:ea typeface="+mj-ea"/>
+            </a:endParaRPr>
+          </a:p>
+        </p:txBody>
+      </p:sp>
+      <p:sp>
+        <p:nvSpPr>
+          <p:cNvPr id="2050" name=" 2050"/>
+          <p:cNvSpPr/>
+          <p:nvPr/>
+        </p:nvSpPr>
+        <p:spPr bwMode="auto">
+          <a:xfrm flipH="1">
+            <a:off x="4498975" y="502920"/>
+            <a:ext cx="319405" cy="5898515"/>
+          </a:xfrm>
+          <a:custGeom>
+            <a:avLst/>
+            <a:gdLst>
+              <a:gd name="T0" fmla="*/ 2147483646 w 41"/>
+              <a:gd name="T1" fmla="*/ 2147483646 h 281"/>
+              <a:gd name="T2" fmla="*/ 2147483646 w 41"/>
+              <a:gd name="T3" fmla="*/ 2147483646 h 281"/>
+              <a:gd name="T4" fmla="*/ 0 w 41"/>
+              <a:gd name="T5" fmla="*/ 0 h 281"/>
+              <a:gd name="T6" fmla="*/ 2147483646 w 41"/>
+              <a:gd name="T7" fmla="*/ 2147483646 h 281"/>
+              <a:gd name="T8" fmla="*/ 2147483646 w 41"/>
+              <a:gd name="T9" fmla="*/ 2147483646 h 281"/>
+              <a:gd name="T10" fmla="*/ 2147483646 w 41"/>
+              <a:gd name="T11" fmla="*/ 2147483646 h 281"/>
+              <a:gd name="T12" fmla="*/ 2147483646 w 41"/>
+              <a:gd name="T13" fmla="*/ 2147483646 h 281"/>
+              <a:gd name="T14" fmla="*/ 2147483646 w 41"/>
+              <a:gd name="T15" fmla="*/ 2147483646 h 281"/>
+              <a:gd name="T16" fmla="*/ 2147483646 w 41"/>
+              <a:gd name="T17" fmla="*/ 2147483646 h 281"/>
+              <a:gd name="T18" fmla="*/ 2147483646 w 41"/>
+              <a:gd name="T19" fmla="*/ 2147483646 h 281"/>
+              <a:gd name="T20" fmla="*/ 2147483646 w 41"/>
+              <a:gd name="T21" fmla="*/ 2147483646 h 281"/>
+              <a:gd name="T22" fmla="*/ 2147483646 w 41"/>
+              <a:gd name="T23" fmla="*/ 2147483646 h 281"/>
+              <a:gd name="T24" fmla="*/ 2147483646 w 41"/>
+              <a:gd name="T25" fmla="*/ 2147483646 h 281"/>
+              <a:gd name="T26" fmla="*/ 0 w 41"/>
+              <a:gd name="T27" fmla="*/ 2147483646 h 281"/>
+              <a:gd name="T28" fmla="*/ 2147483646 w 41"/>
+              <a:gd name="T29" fmla="*/ 2147483646 h 281"/>
+              <a:gd name="T30" fmla="*/ 2147483646 w 41"/>
+              <a:gd name="T31" fmla="*/ 2147483646 h 281"/>
+              <a:gd name="T32" fmla="*/ 2147483646 w 41"/>
+              <a:gd name="T33" fmla="*/ 2147483646 h 281"/>
+              <a:gd name="T34" fmla="*/ 2147483646 w 41"/>
+              <a:gd name="T35" fmla="*/ 2147483646 h 281"/>
+              <a:gd name="T36" fmla="*/ 2147483646 w 41"/>
+              <a:gd name="T37" fmla="*/ 2147483646 h 281"/>
+              <a:gd name="T38" fmla="*/ 2147483646 w 41"/>
+              <a:gd name="T39" fmla="*/ 2147483646 h 281"/>
+              <a:gd name="T40" fmla="*/ 2147483646 w 41"/>
+              <a:gd name="T41" fmla="*/ 2147483646 h 281"/>
+              <a:gd name="T42" fmla="*/ 2147483646 w 41"/>
+              <a:gd name="T43" fmla="*/ 2147483646 h 281"/>
+              <a:gd name="T44" fmla="*/ 0 60000 65536"/>
+              <a:gd name="T45" fmla="*/ 0 60000 65536"/>
+              <a:gd name="T46" fmla="*/ 0 60000 65536"/>
+              <a:gd name="T47" fmla="*/ 0 60000 65536"/>
+              <a:gd name="T48" fmla="*/ 0 60000 65536"/>
+              <a:gd name="T49" fmla="*/ 0 60000 65536"/>
+              <a:gd name="T50" fmla="*/ 0 60000 65536"/>
+              <a:gd name="T51" fmla="*/ 0 60000 65536"/>
+              <a:gd name="T52" fmla="*/ 0 60000 65536"/>
+              <a:gd name="T53" fmla="*/ 0 60000 65536"/>
+              <a:gd name="T54" fmla="*/ 0 60000 65536"/>
+              <a:gd name="T55" fmla="*/ 0 60000 65536"/>
+              <a:gd name="T56" fmla="*/ 0 60000 65536"/>
+              <a:gd name="T57" fmla="*/ 0 60000 65536"/>
+              <a:gd name="T58" fmla="*/ 0 60000 65536"/>
+              <a:gd name="T59" fmla="*/ 0 60000 65536"/>
+              <a:gd name="T60" fmla="*/ 0 60000 65536"/>
+              <a:gd name="T61" fmla="*/ 0 60000 65536"/>
+              <a:gd name="T62" fmla="*/ 0 60000 65536"/>
+              <a:gd name="T63" fmla="*/ 0 60000 65536"/>
+              <a:gd name="T64" fmla="*/ 0 60000 65536"/>
+              <a:gd name="T65" fmla="*/ 0 60000 65536"/>
+            </a:gdLst>
+            <a:ahLst/>
+            <a:cxnLst>
+              <a:cxn ang="T44">
+                <a:pos x="T0" y="T1"/>
+              </a:cxn>
+              <a:cxn ang="T45">
+                <a:pos x="T2" y="T3"/>
+              </a:cxn>
+              <a:cxn ang="T46">
+                <a:pos x="T4" y="T5"/>
+              </a:cxn>
+              <a:cxn ang="T47">
+                <a:pos x="T6" y="T7"/>
+              </a:cxn>
+              <a:cxn ang="T48">
+                <a:pos x="T8" y="T9"/>
+              </a:cxn>
+              <a:cxn ang="T49">
+                <a:pos x="T10" y="T11"/>
+              </a:cxn>
+              <a:cxn ang="T50">
+                <a:pos x="T12" y="T13"/>
+              </a:cxn>
+              <a:cxn ang="T51">
+                <a:pos x="T14" y="T15"/>
+              </a:cxn>
+              <a:cxn ang="T52">
+                <a:pos x="T16" y="T17"/>
+              </a:cxn>
+              <a:cxn ang="T53">
+                <a:pos x="T18" y="T19"/>
+              </a:cxn>
+              <a:cxn ang="T54">
+                <a:pos x="T20" y="T21"/>
+              </a:cxn>
+              <a:cxn ang="T55">
+                <a:pos x="T22" y="T23"/>
+              </a:cxn>
+              <a:cxn ang="T56">
+                <a:pos x="T24" y="T25"/>
+              </a:cxn>
+              <a:cxn ang="T57">
+                <a:pos x="T26" y="T27"/>
+              </a:cxn>
+              <a:cxn ang="T58">
+                <a:pos x="T28" y="T29"/>
+              </a:cxn>
+              <a:cxn ang="T59">
+                <a:pos x="T30" y="T31"/>
+              </a:cxn>
+              <a:cxn ang="T60">
+                <a:pos x="T32" y="T33"/>
+              </a:cxn>
+              <a:cxn ang="T61">
+                <a:pos x="T34" y="T35"/>
+              </a:cxn>
+              <a:cxn ang="T62">
+                <a:pos x="T36" y="T37"/>
+              </a:cxn>
+              <a:cxn ang="T63">
+                <a:pos x="T38" y="T39"/>
+              </a:cxn>
+              <a:cxn ang="T64">
+                <a:pos x="T40" y="T41"/>
+              </a:cxn>
+              <a:cxn ang="T65">
+                <a:pos x="T42" y="T43"/>
+              </a:cxn>
+            </a:cxnLst>
+            <a:rect l="0" t="0" r="r" b="b"/>
+            <a:pathLst>
+              <a:path w="41" h="281">
+                <a:moveTo>
+                  <a:pt x="15" y="41"/>
+                </a:moveTo>
+                <a:cubicBezTo>
+                  <a:pt x="15" y="29"/>
+                  <a:pt x="13" y="19"/>
+                  <a:pt x="11" y="13"/>
+                </a:cubicBezTo>
+                <a:cubicBezTo>
+                  <a:pt x="9" y="7"/>
+                  <a:pt x="5" y="2"/>
+                  <a:pt x="0" y="0"/>
+                </a:cubicBezTo>
+                <a:cubicBezTo>
+                  <a:pt x="10" y="0"/>
+                  <a:pt x="17" y="3"/>
+                  <a:pt x="21" y="9"/>
+                </a:cubicBezTo>
+                <a:cubicBezTo>
+                  <a:pt x="25" y="14"/>
+                  <a:pt x="27" y="27"/>
+                  <a:pt x="27" y="45"/>
+                </a:cubicBezTo>
+                <a:cubicBezTo>
+                  <a:pt x="27" y="103"/>
+                  <a:pt x="27" y="103"/>
+                  <a:pt x="27" y="103"/>
+                </a:cubicBezTo>
+                <a:cubicBezTo>
+                  <a:pt x="27" y="114"/>
+                  <a:pt x="28" y="122"/>
+                  <a:pt x="30" y="128"/>
+                </a:cubicBezTo>
+                <a:cubicBezTo>
+                  <a:pt x="32" y="134"/>
+                  <a:pt x="35" y="138"/>
+                  <a:pt x="41" y="141"/>
+                </a:cubicBezTo>
+                <a:cubicBezTo>
+                  <a:pt x="35" y="143"/>
+                  <a:pt x="31" y="147"/>
+                  <a:pt x="30" y="153"/>
+                </a:cubicBezTo>
+                <a:cubicBezTo>
+                  <a:pt x="28" y="158"/>
+                  <a:pt x="27" y="167"/>
+                  <a:pt x="27" y="179"/>
+                </a:cubicBezTo>
+                <a:cubicBezTo>
+                  <a:pt x="27" y="232"/>
+                  <a:pt x="27" y="232"/>
+                  <a:pt x="27" y="232"/>
+                </a:cubicBezTo>
+                <a:cubicBezTo>
+                  <a:pt x="27" y="245"/>
+                  <a:pt x="26" y="255"/>
+                  <a:pt x="25" y="262"/>
+                </a:cubicBezTo>
+                <a:cubicBezTo>
+                  <a:pt x="23" y="269"/>
+                  <a:pt x="20" y="274"/>
+                  <a:pt x="16" y="277"/>
+                </a:cubicBezTo>
+                <a:cubicBezTo>
+                  <a:pt x="12" y="279"/>
+                  <a:pt x="7" y="281"/>
+                  <a:pt x="0" y="281"/>
+                </a:cubicBezTo>
+                <a:cubicBezTo>
+                  <a:pt x="5" y="279"/>
+                  <a:pt x="9" y="274"/>
+                  <a:pt x="11" y="268"/>
+                </a:cubicBezTo>
+                <a:cubicBezTo>
+                  <a:pt x="13" y="261"/>
+                  <a:pt x="15" y="252"/>
+                  <a:pt x="15" y="240"/>
+                </a:cubicBezTo>
+                <a:cubicBezTo>
+                  <a:pt x="15" y="186"/>
+                  <a:pt x="15" y="186"/>
+                  <a:pt x="15" y="186"/>
+                </a:cubicBezTo>
+                <a:cubicBezTo>
+                  <a:pt x="15" y="172"/>
+                  <a:pt x="15" y="162"/>
+                  <a:pt x="17" y="155"/>
+                </a:cubicBezTo>
+                <a:cubicBezTo>
+                  <a:pt x="19" y="148"/>
+                  <a:pt x="23" y="144"/>
+                  <a:pt x="29" y="141"/>
+                </a:cubicBezTo>
+                <a:cubicBezTo>
+                  <a:pt x="23" y="138"/>
+                  <a:pt x="19" y="133"/>
+                  <a:pt x="17" y="127"/>
+                </a:cubicBezTo>
+                <a:cubicBezTo>
+                  <a:pt x="15" y="121"/>
+                  <a:pt x="15" y="111"/>
+                  <a:pt x="15" y="98"/>
+                </a:cubicBezTo>
+                <a:lnTo>
+                  <a:pt x="15" y="41"/>
+                </a:lnTo>
+                <a:close/>
+              </a:path>
+            </a:pathLst>
+          </a:custGeom>
+          <a:solidFill>
+            <a:schemeClr val="accent1"/>
+          </a:solidFill>
+          <a:ln>
+            <a:noFill/>
+          </a:ln>
+          <a:extLst>
+            <a:ext uri="{91240B29-F687-4F45-9708-019B960494DF}">
+              <a14:hiddenLine xmlns:a14="http://schemas.microsoft.com/office/drawing/2010/main" w="9525">
+                <a:solidFill>
+                  <a:srgbClr val="000000"/>
+                </a:solidFill>
+                <a:round/>
+              </a14:hiddenLine>
+            </a:ext>
+          </a:extLst>
+        </p:spPr>
+        <p:txBody>
+          <a:bodyPr anchor="ctr"/>
+          <a:lstStyle>
+            <a:defPPr>
+              <a:defRPr lang="zh-CN"/>
+            </a:defPPr>
+            <a:lvl1pPr algn="l" rtl="0" eaLnBrk="0" fontAlgn="base" hangingPunct="0">
+              <a:spcBef>
+                <a:spcPct val="0"/>
+              </a:spcBef>
+              <a:spcAft>
+                <a:spcPct val="0"/>
+              </a:spcAft>
+              <a:defRPr kern="1200">
+                <a:solidFill>
+                  <a:schemeClr val="tx1"/>
+                </a:solidFill>
+                <a:latin typeface="Calibri" panose="020F0502020204030204" pitchFamily="34" charset="0"/>
+                <a:ea typeface="宋体" panose="02010600030101010101" pitchFamily="2" charset="-122"/>
+                <a:cs typeface="+mn-cs"/>
+              </a:defRPr>
+            </a:lvl1pPr>
+            <a:lvl2pPr marL="457200" algn="l" rtl="0" eaLnBrk="0" fontAlgn="base" hangingPunct="0">
+              <a:spcBef>
+                <a:spcPct val="0"/>
+              </a:spcBef>
+              <a:spcAft>
+                <a:spcPct val="0"/>
+              </a:spcAft>
+              <a:defRPr kern="1200">
+                <a:solidFill>
+                  <a:schemeClr val="tx1"/>
+                </a:solidFill>
+                <a:latin typeface="Calibri" panose="020F0502020204030204" pitchFamily="34" charset="0"/>
+                <a:ea typeface="宋体" panose="02010600030101010101" pitchFamily="2" charset="-122"/>
+                <a:cs typeface="+mn-cs"/>
+              </a:defRPr>
+            </a:lvl2pPr>
+            <a:lvl3pPr marL="914400" algn="l" rtl="0" eaLnBrk="0" fontAlgn="base" hangingPunct="0">
+              <a:spcBef>
+                <a:spcPct val="0"/>
+              </a:spcBef>
+              <a:spcAft>
+                <a:spcPct val="0"/>
+              </a:spcAft>
+              <a:defRPr kern="1200">
+                <a:solidFill>
+                  <a:schemeClr val="tx1"/>
+                </a:solidFill>
+                <a:latin typeface="Calibri" panose="020F0502020204030204" pitchFamily="34" charset="0"/>
+                <a:ea typeface="宋体" panose="02010600030101010101" pitchFamily="2" charset="-122"/>
+                <a:cs typeface="+mn-cs"/>
+              </a:defRPr>
+            </a:lvl3pPr>
+            <a:lvl4pPr marL="1371600" algn="l" rtl="0" eaLnBrk="0" fontAlgn="base" hangingPunct="0">
+              <a:spcBef>
+                <a:spcPct val="0"/>
+              </a:spcBef>
+              <a:spcAft>
+                <a:spcPct val="0"/>
+              </a:spcAft>
+              <a:defRPr kern="1200">
+                <a:solidFill>
+                  <a:schemeClr val="tx1"/>
+                </a:solidFill>
+                <a:latin typeface="Calibri" panose="020F0502020204030204" pitchFamily="34" charset="0"/>
+                <a:ea typeface="宋体" panose="02010600030101010101" pitchFamily="2" charset="-122"/>
+                <a:cs typeface="+mn-cs"/>
+              </a:defRPr>
+            </a:lvl4pPr>
+            <a:lvl5pPr marL="1828800" algn="l" rtl="0" eaLnBrk="0" fontAlgn="base" hangingPunct="0">
+              <a:spcBef>
+                <a:spcPct val="0"/>
+              </a:spcBef>
+              <a:spcAft>
+                <a:spcPct val="0"/>
+              </a:spcAft>
+              <a:defRPr kern="1200">
+                <a:solidFill>
+                  <a:schemeClr val="tx1"/>
+                </a:solidFill>
+                <a:latin typeface="Calibri" panose="020F0502020204030204" pitchFamily="34" charset="0"/>
+                <a:ea typeface="宋体" panose="02010600030101010101" pitchFamily="2" charset="-122"/>
+                <a:cs typeface="+mn-cs"/>
+              </a:defRPr>
+            </a:lvl5pPr>
+            <a:lvl6pPr marL="2286000" algn="l" defTabSz="914400" rtl="0" eaLnBrk="1" latinLnBrk="0" hangingPunct="1">
+              <a:defRPr kern="1200">
+                <a:solidFill>
+                  <a:schemeClr val="tx1"/>
+                </a:solidFill>
+                <a:latin typeface="Calibri" panose="020F0502020204030204" pitchFamily="34" charset="0"/>
+                <a:ea typeface="宋体" panose="02010600030101010101" pitchFamily="2" charset="-122"/>
+                <a:cs typeface="+mn-cs"/>
+              </a:defRPr>
+            </a:lvl6pPr>
+            <a:lvl7pPr marL="2743200" algn="l" defTabSz="914400" rtl="0" eaLnBrk="1" latinLnBrk="0" hangingPunct="1">
+              <a:defRPr kern="1200">
+                <a:solidFill>
+                  <a:schemeClr val="tx1"/>
+                </a:solidFill>
+                <a:latin typeface="Calibri" panose="020F0502020204030204" pitchFamily="34" charset="0"/>
+                <a:ea typeface="宋体" panose="02010600030101010101" pitchFamily="2" charset="-122"/>
+                <a:cs typeface="+mn-cs"/>
+              </a:defRPr>
+            </a:lvl7pPr>
+            <a:lvl8pPr marL="3200400" algn="l" defTabSz="914400" rtl="0" eaLnBrk="1" latinLnBrk="0" hangingPunct="1">
+              <a:defRPr kern="1200">
+                <a:solidFill>
+                  <a:schemeClr val="tx1"/>
+                </a:solidFill>
+                <a:latin typeface="Calibri" panose="020F0502020204030204" pitchFamily="34" charset="0"/>
+                <a:ea typeface="宋体" panose="02010600030101010101" pitchFamily="2" charset="-122"/>
+                <a:cs typeface="+mn-cs"/>
+              </a:defRPr>
+            </a:lvl8pPr>
+            <a:lvl9pPr marL="3657600" algn="l" defTabSz="914400" rtl="0" eaLnBrk="1" latinLnBrk="0" hangingPunct="1">
+              <a:defRPr kern="1200">
+                <a:solidFill>
+                  <a:schemeClr val="tx1"/>
+                </a:solidFill>
+                <a:latin typeface="Calibri" panose="020F0502020204030204" pitchFamily="34" charset="0"/>
+                <a:ea typeface="宋体" panose="02010600030101010101" pitchFamily="2" charset="-122"/>
+                <a:cs typeface="+mn-cs"/>
+              </a:defRPr>
+            </a:lvl9pPr>
+          </a:lstStyle>
+          <a:p>
+            <a:endParaRPr lang="zh-CN" altLang="en-US"/>
+          </a:p>
+        </p:txBody>
+      </p:sp>
+      <p:sp>
+        <p:nvSpPr>
+          <p:cNvPr id="2" name="矩形 1"/>
+          <p:cNvSpPr/>
+          <p:nvPr/>
+        </p:nvSpPr>
+        <p:spPr>
+          <a:xfrm>
+            <a:off x="4955540" y="2174875"/>
+            <a:ext cx="4724400" cy="3150235"/>
+          </a:xfrm>
+          <a:prstGeom prst="rect">
+            <a:avLst/>
+          </a:prstGeom>
+          <a:solidFill>
+            <a:schemeClr val="accent1">
+              <a:alpha val="0"/>
+            </a:schemeClr>
+          </a:solidFill>
+          <a:ln>
+            <a:noFill/>
+          </a:ln>
+        </p:spPr>
+        <p:style>
+          <a:lnRef idx="2">
+            <a:schemeClr val="accent1">
+              <a:shade val="50000"/>
+            </a:schemeClr>
+          </a:lnRef>
+          <a:fillRef idx="1">
+            <a:schemeClr val="accent1"/>
+          </a:fillRef>
+          <a:effectRef idx="0">
+            <a:schemeClr val="accent1"/>
+          </a:effectRef>
+          <a:fontRef idx="minor">
+            <a:schemeClr val="lt1"/>
+          </a:fontRef>
+        </p:style>
+        <p:txBody>
+          <a:bodyPr rtlCol="0" anchor="ctr"/>
+          <a:p>
+            <a:pPr marL="514350" indent="-514350" algn="l" defTabSz="914400" fontAlgn="auto">
+              <a:lnSpc>
+                <a:spcPts val="4500"/>
+              </a:lnSpc>
+              <a:buClr>
+                <a:srgbClr val="C00000"/>
+              </a:buClr>
+              <a:buFont typeface="+mj-lt"/>
+              <a:buAutoNum type="arabicPeriod"/>
+              <a:tabLst>
+                <a:tab pos="3402330" algn="l"/>
+              </a:tabLst>
+            </a:pPr>
+            <a:r>
+              <a:rPr lang="en-US" altLang="zh-CN" sz="2800">
+                <a:solidFill>
+                  <a:schemeClr val="tx1"/>
+                </a:solidFill>
+                <a:ea typeface="微软雅黑" panose="020B0503020204020204" pitchFamily="34" charset="-122"/>
+                <a:sym typeface="+mn-ea"/>
+              </a:rPr>
+              <a:t> </a:t>
+            </a:r>
+            <a:r>
+              <a:rPr lang="en-US" altLang="zh-CN" sz="2800">
+                <a:solidFill>
+                  <a:schemeClr val="tx2">
+                    <a:lumMod val="20000"/>
+                    <a:lumOff val="80000"/>
+                  </a:schemeClr>
+                </a:solidFill>
+                <a:ea typeface="微软雅黑" panose="020B0503020204020204" pitchFamily="34" charset="-122"/>
+                <a:sym typeface="+mn-ea"/>
+              </a:rPr>
+              <a:t>button</a:t>
+            </a:r>
+            <a:endParaRPr lang="en-US" altLang="zh-CN" sz="2800">
+              <a:solidFill>
+                <a:schemeClr val="tx2">
+                  <a:lumMod val="20000"/>
+                  <a:lumOff val="80000"/>
+                </a:schemeClr>
+              </a:solidFill>
+              <a:ea typeface="微软雅黑" panose="020B0503020204020204" pitchFamily="34" charset="-122"/>
+              <a:sym typeface="+mn-ea"/>
+            </a:endParaRPr>
+          </a:p>
+          <a:p>
+            <a:pPr marL="514350" indent="-514350" algn="l" defTabSz="914400" fontAlgn="auto">
+              <a:lnSpc>
+                <a:spcPts val="4500"/>
+              </a:lnSpc>
+              <a:buClr>
+                <a:srgbClr val="C00000"/>
+              </a:buClr>
+              <a:buFont typeface="+mj-lt"/>
+              <a:buAutoNum type="arabicPeriod"/>
+              <a:tabLst>
+                <a:tab pos="3402330" algn="l"/>
+              </a:tabLst>
+            </a:pPr>
+            <a:r>
+              <a:rPr lang="zh-CN" altLang="en-US" sz="2800">
+                <a:solidFill>
+                  <a:schemeClr val="tx2">
+                    <a:lumMod val="20000"/>
+                    <a:lumOff val="80000"/>
+                  </a:schemeClr>
+                </a:solidFill>
+                <a:ea typeface="微软雅黑" panose="020B0503020204020204" pitchFamily="34" charset="-122"/>
+                <a:sym typeface="+mn-ea"/>
+              </a:rPr>
+              <a:t> </a:t>
+            </a:r>
+            <a:r>
+              <a:rPr lang="en-US" altLang="zh-CN" sz="2800">
+                <a:solidFill>
+                  <a:schemeClr val="tx2">
+                    <a:lumMod val="20000"/>
+                    <a:lumOff val="80000"/>
+                  </a:schemeClr>
+                </a:solidFill>
+                <a:ea typeface="微软雅黑" panose="020B0503020204020204" pitchFamily="34" charset="-122"/>
+                <a:sym typeface="+mn-ea"/>
+              </a:rPr>
+              <a:t>lable</a:t>
+            </a:r>
+            <a:endParaRPr lang="en-US" altLang="zh-CN" sz="2800">
+              <a:solidFill>
+                <a:schemeClr val="tx2">
+                  <a:lumMod val="20000"/>
+                  <a:lumOff val="80000"/>
+                </a:schemeClr>
+              </a:solidFill>
+              <a:ea typeface="微软雅黑" panose="020B0503020204020204" pitchFamily="34" charset="-122"/>
+              <a:sym typeface="+mn-ea"/>
+            </a:endParaRPr>
+          </a:p>
+          <a:p>
+            <a:pPr marL="514350" indent="-514350" algn="l" defTabSz="914400" fontAlgn="auto">
+              <a:lnSpc>
+                <a:spcPts val="4500"/>
+              </a:lnSpc>
+              <a:buClr>
+                <a:srgbClr val="C00000"/>
+              </a:buClr>
+              <a:buFont typeface="+mj-lt"/>
+              <a:buAutoNum type="arabicPeriod"/>
+              <a:tabLst>
+                <a:tab pos="3402330" algn="l"/>
+              </a:tabLst>
+            </a:pPr>
+            <a:r>
+              <a:rPr lang="zh-CN" altLang="en-US" sz="2800">
+                <a:solidFill>
+                  <a:schemeClr val="tx2">
+                    <a:lumMod val="20000"/>
+                    <a:lumOff val="80000"/>
+                  </a:schemeClr>
+                </a:solidFill>
+                <a:ea typeface="微软雅黑" panose="020B0503020204020204" pitchFamily="34" charset="-122"/>
+                <a:sym typeface="+mn-ea"/>
+              </a:rPr>
+              <a:t> </a:t>
+            </a:r>
+            <a:r>
+              <a:rPr lang="en-US" altLang="zh-CN" sz="2800">
+                <a:solidFill>
+                  <a:schemeClr val="tx2">
+                    <a:lumMod val="20000"/>
+                    <a:lumOff val="80000"/>
+                  </a:schemeClr>
+                </a:solidFill>
+                <a:ea typeface="微软雅黑" panose="020B0503020204020204" pitchFamily="34" charset="-122"/>
+                <a:sym typeface="+mn-ea"/>
+              </a:rPr>
+              <a:t>checkbox</a:t>
+            </a:r>
+            <a:endParaRPr lang="en-US" altLang="zh-CN" sz="2800">
+              <a:solidFill>
+                <a:schemeClr val="tx2">
+                  <a:lumMod val="20000"/>
+                  <a:lumOff val="80000"/>
+                </a:schemeClr>
+              </a:solidFill>
+              <a:ea typeface="微软雅黑" panose="020B0503020204020204" pitchFamily="34" charset="-122"/>
+              <a:sym typeface="+mn-ea"/>
+            </a:endParaRPr>
+          </a:p>
+          <a:p>
+            <a:pPr marL="514350" indent="-514350" algn="l" defTabSz="914400" fontAlgn="auto">
+              <a:lnSpc>
+                <a:spcPts val="4500"/>
+              </a:lnSpc>
+              <a:buClr>
+                <a:srgbClr val="C00000"/>
+              </a:buClr>
+              <a:buFont typeface="+mj-lt"/>
+              <a:buAutoNum type="arabicPeriod"/>
+              <a:tabLst>
+                <a:tab pos="3402330" algn="l"/>
+              </a:tabLst>
+            </a:pPr>
+            <a:r>
+              <a:rPr lang="zh-CN" altLang="en-US" sz="2800">
+                <a:solidFill>
+                  <a:schemeClr val="tx2">
+                    <a:lumMod val="20000"/>
+                    <a:lumOff val="80000"/>
+                  </a:schemeClr>
+                </a:solidFill>
+                <a:ea typeface="微软雅黑" panose="020B0503020204020204" pitchFamily="34" charset="-122"/>
+                <a:sym typeface="+mn-ea"/>
+              </a:rPr>
+              <a:t> </a:t>
+            </a:r>
+            <a:r>
+              <a:rPr lang="en-US" altLang="zh-CN" sz="2800">
+                <a:solidFill>
+                  <a:schemeClr val="tx2">
+                    <a:lumMod val="20000"/>
+                    <a:lumOff val="80000"/>
+                  </a:schemeClr>
+                </a:solidFill>
+                <a:ea typeface="微软雅黑" panose="020B0503020204020204" pitchFamily="34" charset="-122"/>
+                <a:sym typeface="+mn-ea"/>
+              </a:rPr>
+              <a:t>radio</a:t>
+            </a:r>
+            <a:endParaRPr lang="en-US" altLang="zh-CN" sz="2800">
+              <a:solidFill>
+                <a:schemeClr val="tx2">
+                  <a:lumMod val="20000"/>
+                  <a:lumOff val="80000"/>
+                </a:schemeClr>
+              </a:solidFill>
+              <a:ea typeface="微软雅黑" panose="020B0503020204020204" pitchFamily="34" charset="-122"/>
+              <a:sym typeface="+mn-ea"/>
+            </a:endParaRPr>
+          </a:p>
+          <a:p>
+            <a:pPr marL="514350" indent="-514350" algn="l" defTabSz="914400" fontAlgn="auto">
+              <a:lnSpc>
+                <a:spcPts val="4500"/>
+              </a:lnSpc>
+              <a:buClr>
+                <a:srgbClr val="C00000"/>
+              </a:buClr>
+              <a:buFont typeface="+mj-lt"/>
+              <a:buAutoNum type="arabicPeriod"/>
+              <a:tabLst>
+                <a:tab pos="3402330" algn="l"/>
+              </a:tabLst>
+            </a:pPr>
+            <a:r>
+              <a:rPr lang="zh-CN" altLang="en-US" sz="2800">
+                <a:solidFill>
+                  <a:schemeClr val="tx2">
+                    <a:lumMod val="20000"/>
+                    <a:lumOff val="80000"/>
+                  </a:schemeClr>
+                </a:solidFill>
+                <a:ea typeface="微软雅黑" panose="020B0503020204020204" pitchFamily="34" charset="-122"/>
+                <a:sym typeface="+mn-ea"/>
+              </a:rPr>
+              <a:t> </a:t>
+            </a:r>
+            <a:r>
+              <a:rPr lang="en-US" altLang="zh-CN" sz="2800">
+                <a:solidFill>
+                  <a:schemeClr val="tx2">
+                    <a:lumMod val="20000"/>
+                    <a:lumOff val="80000"/>
+                  </a:schemeClr>
+                </a:solidFill>
+                <a:ea typeface="微软雅黑" panose="020B0503020204020204" pitchFamily="34" charset="-122"/>
+                <a:sym typeface="+mn-ea"/>
+              </a:rPr>
+              <a:t>switch</a:t>
+            </a:r>
+            <a:endParaRPr lang="en-US" altLang="zh-CN" sz="2800">
+              <a:solidFill>
+                <a:schemeClr val="tx2">
+                  <a:lumMod val="20000"/>
+                  <a:lumOff val="80000"/>
+                </a:schemeClr>
+              </a:solidFill>
+              <a:ea typeface="微软雅黑" panose="020B0503020204020204" pitchFamily="34" charset="-122"/>
+              <a:sym typeface="+mn-ea"/>
+            </a:endParaRPr>
+          </a:p>
+          <a:p>
+            <a:pPr marL="514350" indent="-514350" algn="l" defTabSz="914400" fontAlgn="auto">
+              <a:lnSpc>
+                <a:spcPts val="4500"/>
+              </a:lnSpc>
+              <a:buClr>
+                <a:srgbClr val="C00000"/>
+              </a:buClr>
+              <a:buFont typeface="+mj-lt"/>
+              <a:buAutoNum type="arabicPeriod"/>
+              <a:tabLst>
+                <a:tab pos="3402330" algn="l"/>
+              </a:tabLst>
+            </a:pPr>
+            <a:r>
+              <a:rPr lang="zh-CN" altLang="en-US" sz="2800">
+                <a:solidFill>
+                  <a:schemeClr val="tx2">
+                    <a:lumMod val="20000"/>
+                    <a:lumOff val="80000"/>
+                  </a:schemeClr>
+                </a:solidFill>
+                <a:ea typeface="微软雅黑" panose="020B0503020204020204" pitchFamily="34" charset="-122"/>
+                <a:sym typeface="+mn-ea"/>
+              </a:rPr>
+              <a:t> </a:t>
+            </a:r>
+            <a:r>
+              <a:rPr lang="en-US" altLang="zh-CN" sz="2800">
+                <a:solidFill>
+                  <a:schemeClr val="tx2">
+                    <a:lumMod val="20000"/>
+                    <a:lumOff val="80000"/>
+                  </a:schemeClr>
+                </a:solidFill>
+                <a:ea typeface="微软雅黑" panose="020B0503020204020204" pitchFamily="34" charset="-122"/>
+                <a:sym typeface="+mn-ea"/>
+              </a:rPr>
+              <a:t>slider</a:t>
+            </a:r>
+            <a:endParaRPr lang="en-US" altLang="zh-CN" sz="2800">
+              <a:solidFill>
+                <a:schemeClr val="tx2">
+                  <a:lumMod val="20000"/>
+                  <a:lumOff val="80000"/>
+                </a:schemeClr>
+              </a:solidFill>
+              <a:ea typeface="微软雅黑" panose="020B0503020204020204" pitchFamily="34" charset="-122"/>
+              <a:sym typeface="+mn-ea"/>
+            </a:endParaRPr>
+          </a:p>
+          <a:p>
+            <a:pPr marL="514350" indent="-514350" algn="l" defTabSz="914400" fontAlgn="auto">
+              <a:lnSpc>
+                <a:spcPts val="4500"/>
+              </a:lnSpc>
+              <a:buClr>
+                <a:srgbClr val="C00000"/>
+              </a:buClr>
+              <a:buFont typeface="+mj-lt"/>
+              <a:buAutoNum type="arabicPeriod"/>
+              <a:tabLst>
+                <a:tab pos="3402330" algn="l"/>
+              </a:tabLst>
+            </a:pPr>
+            <a:r>
+              <a:rPr lang="zh-CN" altLang="en-US" sz="2800">
+                <a:solidFill>
+                  <a:schemeClr val="tx1"/>
+                </a:solidFill>
+                <a:ea typeface="微软雅黑" panose="020B0503020204020204" pitchFamily="34" charset="-122"/>
+                <a:sym typeface="+mn-ea"/>
+              </a:rPr>
+              <a:t> </a:t>
+            </a:r>
+            <a:r>
+              <a:rPr lang="en-US" altLang="zh-CN" sz="2800">
+                <a:solidFill>
+                  <a:schemeClr val="tx1"/>
+                </a:solidFill>
+                <a:ea typeface="微软雅黑" panose="020B0503020204020204" pitchFamily="34" charset="-122"/>
+                <a:sym typeface="+mn-ea"/>
+              </a:rPr>
+              <a:t>textarea</a:t>
+            </a:r>
+            <a:endParaRPr lang="en-US" altLang="zh-CN" sz="2800">
+              <a:solidFill>
+                <a:schemeClr val="tx1"/>
+              </a:solidFill>
+              <a:ea typeface="微软雅黑" panose="020B0503020204020204" pitchFamily="34" charset="-122"/>
+              <a:sym typeface="+mn-ea"/>
+            </a:endParaRPr>
+          </a:p>
+          <a:p>
+            <a:pPr marL="514350" indent="-514350" algn="l" defTabSz="914400" fontAlgn="auto">
+              <a:lnSpc>
+                <a:spcPts val="4500"/>
+              </a:lnSpc>
+              <a:buClr>
+                <a:srgbClr val="C00000"/>
+              </a:buClr>
+              <a:buFont typeface="+mj-lt"/>
+              <a:buAutoNum type="arabicPeriod"/>
+              <a:tabLst>
+                <a:tab pos="3402330" algn="l"/>
+              </a:tabLst>
+            </a:pPr>
+            <a:r>
+              <a:rPr lang="zh-CN" altLang="en-US" sz="2800">
+                <a:solidFill>
+                  <a:schemeClr val="tx1"/>
+                </a:solidFill>
+                <a:ea typeface="微软雅黑" panose="020B0503020204020204" pitchFamily="34" charset="-122"/>
+                <a:sym typeface="+mn-ea"/>
+              </a:rPr>
+              <a:t> </a:t>
+            </a:r>
+            <a:r>
+              <a:rPr lang="en-US" altLang="zh-CN" sz="2800">
+                <a:solidFill>
+                  <a:schemeClr val="tx1"/>
+                </a:solidFill>
+                <a:ea typeface="微软雅黑" panose="020B0503020204020204" pitchFamily="34" charset="-122"/>
+                <a:sym typeface="+mn-ea"/>
+              </a:rPr>
+              <a:t>input</a:t>
+            </a:r>
+            <a:endParaRPr lang="en-US" altLang="zh-CN" sz="2800">
+              <a:solidFill>
+                <a:schemeClr val="tx1"/>
+              </a:solidFill>
+              <a:ea typeface="微软雅黑" panose="020B0503020204020204" pitchFamily="34" charset="-122"/>
+              <a:sym typeface="+mn-ea"/>
+            </a:endParaRPr>
+          </a:p>
+          <a:p>
+            <a:pPr marL="514350" indent="-514350" algn="l" defTabSz="914400" fontAlgn="auto">
+              <a:lnSpc>
+                <a:spcPts val="4500"/>
+              </a:lnSpc>
+              <a:buClr>
+                <a:srgbClr val="C00000"/>
+              </a:buClr>
+              <a:buFont typeface="+mj-lt"/>
+              <a:buAutoNum type="arabicPeriod"/>
+              <a:tabLst>
+                <a:tab pos="3402330" algn="l"/>
+              </a:tabLst>
+            </a:pPr>
+            <a:r>
+              <a:rPr lang="zh-CN" altLang="en-US" sz="2800">
+                <a:solidFill>
+                  <a:schemeClr val="tx1"/>
+                </a:solidFill>
+                <a:ea typeface="微软雅黑" panose="020B0503020204020204" pitchFamily="34" charset="-122"/>
+                <a:sym typeface="+mn-ea"/>
+              </a:rPr>
+              <a:t> picker</a:t>
+            </a:r>
+            <a:endParaRPr lang="zh-CN" altLang="en-US" sz="2800">
+              <a:solidFill>
+                <a:schemeClr val="tx1"/>
+              </a:solidFill>
+              <a:ea typeface="微软雅黑" panose="020B0503020204020204" pitchFamily="34" charset="-122"/>
+              <a:sym typeface="+mn-ea"/>
+            </a:endParaRPr>
+          </a:p>
+          <a:p>
+            <a:pPr marL="514350" indent="-514350" algn="l" defTabSz="914400" fontAlgn="auto">
+              <a:lnSpc>
+                <a:spcPts val="4500"/>
+              </a:lnSpc>
+              <a:buClr>
+                <a:srgbClr val="C00000"/>
+              </a:buClr>
+              <a:buFont typeface="+mj-lt"/>
+              <a:buAutoNum type="arabicPeriod"/>
+              <a:tabLst>
+                <a:tab pos="3402330" algn="l"/>
+              </a:tabLst>
+            </a:pPr>
+            <a:r>
+              <a:rPr lang="zh-CN" altLang="en-US" sz="2800">
+                <a:solidFill>
+                  <a:schemeClr val="tx1"/>
+                </a:solidFill>
+                <a:ea typeface="微软雅黑" panose="020B0503020204020204" pitchFamily="34" charset="-122"/>
+                <a:sym typeface="+mn-ea"/>
+              </a:rPr>
+              <a:t> picker-view</a:t>
+            </a:r>
+            <a:endParaRPr lang="zh-CN" altLang="en-US" sz="2800">
+              <a:solidFill>
+                <a:schemeClr val="tx1"/>
+              </a:solidFill>
+              <a:ea typeface="微软雅黑" panose="020B0503020204020204" pitchFamily="34" charset="-122"/>
+              <a:sym typeface="+mn-ea"/>
+            </a:endParaRPr>
+          </a:p>
+          <a:p>
+            <a:pPr marL="514350" indent="-514350" algn="l" defTabSz="914400" fontAlgn="auto">
+              <a:lnSpc>
+                <a:spcPts val="4500"/>
+              </a:lnSpc>
+              <a:buClr>
+                <a:srgbClr val="C00000"/>
+              </a:buClr>
+              <a:buFont typeface="+mj-lt"/>
+              <a:buAutoNum type="arabicPeriod"/>
+              <a:tabLst>
+                <a:tab pos="3402330" algn="l"/>
+              </a:tabLst>
+            </a:pPr>
+            <a:r>
+              <a:rPr lang="en-US" altLang="zh-CN" sz="2800">
+                <a:solidFill>
+                  <a:schemeClr val="tx1"/>
+                </a:solidFill>
+                <a:ea typeface="微软雅黑" panose="020B0503020204020204" pitchFamily="34" charset="-122"/>
+                <a:sym typeface="+mn-ea"/>
+              </a:rPr>
+              <a:t> form</a:t>
+            </a:r>
+            <a:endParaRPr lang="en-US" altLang="zh-CN" sz="2800">
+              <a:solidFill>
+                <a:schemeClr val="tx1"/>
+              </a:solidFill>
+              <a:ea typeface="微软雅黑" panose="020B0503020204020204" pitchFamily="34" charset="-122"/>
+              <a:sym typeface="+mn-ea"/>
+            </a:endParaRPr>
+          </a:p>
+          <a:p>
+            <a:pPr marL="514350" indent="-514350" algn="l" defTabSz="914400" fontAlgn="auto">
+              <a:lnSpc>
+                <a:spcPts val="4500"/>
+              </a:lnSpc>
+              <a:buClr>
+                <a:srgbClr val="C00000"/>
+              </a:buClr>
+              <a:buFont typeface="+mj-lt"/>
+              <a:buAutoNum type="arabicPeriod"/>
+              <a:tabLst>
+                <a:tab pos="3402330" algn="l"/>
+              </a:tabLst>
+            </a:pPr>
+            <a:endParaRPr lang="en-US" altLang="zh-CN" sz="2800">
+              <a:solidFill>
+                <a:schemeClr val="tx1"/>
+              </a:solidFill>
+              <a:ea typeface="微软雅黑" panose="020B0503020204020204" pitchFamily="34" charset="-122"/>
+              <a:sym typeface="+mn-ea"/>
+            </a:endParaRPr>
+          </a:p>
+        </p:txBody>
+      </p:sp>
+    </p:spTree>
+    <p:custDataLst>
+      <p:tags r:id="rId2"/>
+    </p:custDataLst>
+  </p:cSld>
+  <p:clrMapOvr>
+    <a:masterClrMapping/>
+  </p:clrMapOvr>
+  <p:timing>
+    <p:tnLst>
+      <p:par>
+        <p:cTn id="1" dur="indefinite" restart="never" nodeType="tmRoot"/>
+      </p:par>
+    </p:tnLst>
+  </p:timing>
+</p:sld>
+</file>
+
+<file path=ppt/slides/slide3.xml><?xml version="1.0" encoding="utf-8"?>
+<p:sld xmlns:a="http://schemas.openxmlformats.org/drawingml/2006/main" xmlns:r="http://schemas.openxmlformats.org/officeDocument/2006/relationships" xmlns:p="http://schemas.openxmlformats.org/presentationml/2006/main">
+  <p:cSld>
+    <p:spTree>
+      <p:nvGrpSpPr>
+        <p:cNvPr id="1" name=""/>
+        <p:cNvGrpSpPr/>
+        <p:nvPr/>
+      </p:nvGrpSpPr>
+      <p:grpSpPr>
+        <a:xfrm>
+          <a:off x="0" y="0"/>
+          <a:ext cx="0" cy="0"/>
+          <a:chOff x="0" y="0"/>
+          <a:chExt cx="0" cy="0"/>
+        </a:xfrm>
+      </p:grpSpPr>
+      <p:sp>
+        <p:nvSpPr>
           <p:cNvPr id="21" name="文本框 20"/>
           <p:cNvSpPr txBox="1"/>
           <p:nvPr>
@@ -8486,7 +9620,7 @@
 </p:sld>
 </file>
 
-<file path=ppt/slides/slide3.xml><?xml version="1.0" encoding="utf-8"?>
+<file path=ppt/slides/slide4.xml><?xml version="1.0" encoding="utf-8"?>
 <p:sld xmlns:a="http://schemas.openxmlformats.org/drawingml/2006/main" xmlns:r="http://schemas.openxmlformats.org/officeDocument/2006/relationships" xmlns:p="http://schemas.openxmlformats.org/presentationml/2006/main">
   <p:cSld>
     <p:spTree>
@@ -9326,7 +10460,7 @@
 </p:sld>
 </file>
 
-<file path=ppt/slides/slide4.xml><?xml version="1.0" encoding="utf-8"?>
+<file path=ppt/slides/slide5.xml><?xml version="1.0" encoding="utf-8"?>
 <p:sld xmlns:a="http://schemas.openxmlformats.org/drawingml/2006/main" xmlns:r="http://schemas.openxmlformats.org/officeDocument/2006/relationships" xmlns:p="http://schemas.openxmlformats.org/presentationml/2006/main">
   <p:cSld>
     <p:spTree>
@@ -10108,7 +11242,7 @@
 </p:sld>
 </file>
 
-<file path=ppt/slides/slide5.xml><?xml version="1.0" encoding="utf-8"?>
+<file path=ppt/slides/slide6.xml><?xml version="1.0" encoding="utf-8"?>
 <p:sld xmlns:a="http://schemas.openxmlformats.org/drawingml/2006/main" xmlns:r="http://schemas.openxmlformats.org/officeDocument/2006/relationships" xmlns:p="http://schemas.openxmlformats.org/presentationml/2006/main">
   <p:cSld>
     <p:spTree>
@@ -11277,7 +12411,7 @@
 </p:sld>
 </file>
 
-<file path=ppt/slides/slide6.xml><?xml version="1.0" encoding="utf-8"?>
+<file path=ppt/slides/slide7.xml><?xml version="1.0" encoding="utf-8"?>
 <p:sld xmlns:a="http://schemas.openxmlformats.org/drawingml/2006/main" xmlns:r="http://schemas.openxmlformats.org/officeDocument/2006/relationships" xmlns:p="http://schemas.openxmlformats.org/presentationml/2006/main">
   <p:cSld>
     <p:spTree>
@@ -12154,7 +13288,7 @@
 </p:sld>
 </file>
 
-<file path=ppt/slides/slide7.xml><?xml version="1.0" encoding="utf-8"?>
+<file path=ppt/slides/slide8.xml><?xml version="1.0" encoding="utf-8"?>
 <p:sld xmlns:a="http://schemas.openxmlformats.org/drawingml/2006/main" xmlns:r="http://schemas.openxmlformats.org/officeDocument/2006/relationships" xmlns:p="http://schemas.openxmlformats.org/presentationml/2006/main">
   <p:cSld>
     <p:spTree>
@@ -13126,7 +14260,7 @@
 </p:sld>
 </file>
 
-<file path=ppt/slides/slide8.xml><?xml version="1.0" encoding="utf-8"?>
+<file path=ppt/slides/slide9.xml><?xml version="1.0" encoding="utf-8"?>
 <p:sld xmlns:a="http://schemas.openxmlformats.org/drawingml/2006/main" xmlns:r="http://schemas.openxmlformats.org/officeDocument/2006/relationships" xmlns:p="http://schemas.openxmlformats.org/presentationml/2006/main">
   <p:cSld>
     <p:spTree>
@@ -13407,43 +14541,27 @@
 
 <file path=ppt/tags/tag23.xml><?xml version="1.0" encoding="utf-8"?>
 <p:tagLst xmlns:p="http://schemas.openxmlformats.org/presentationml/2006/main">
-  <p:tag name="KSO_WM_TAG_VERSION" val="1.0"/>
-  <p:tag name="KSO_WM_BEAUTIFY_FLAG" val="#wm#"/>
+  <p:tag name="MH" val="20150417131227"/>
+  <p:tag name="MH_LIBRARY" val="CONTENTS"/>
+  <p:tag name="MH_AUTOCOLOR" val="TRUE"/>
+  <p:tag name="MH_TYPE" val="CONTENTS"/>
   <p:tag name="KSO_WM_TEMPLATE_CATEGORY" val="custom"/>
   <p:tag name="KSO_WM_TEMPLATE_INDEX" val="160"/>
-  <p:tag name="KSO_WM_UNIT_TYPE" val="a"/>
-  <p:tag name="KSO_WM_UNIT_INDEX" val="1"/>
-  <p:tag name="KSO_WM_UNIT_ID" val="custom160_15*a*1"/>
-  <p:tag name="KSO_WM_UNIT_CLEAR" val="1"/>
-  <p:tag name="KSO_WM_UNIT_LAYERLEVEL" val="1"/>
-  <p:tag name="KSO_WM_UNIT_VALUE" val="22"/>
-  <p:tag name="KSO_WM_UNIT_ISCONTENTSTITLE" val="0"/>
-  <p:tag name="KSO_WM_UNIT_HIGHLIGHT" val="0"/>
-  <p:tag name="KSO_WM_UNIT_COMPATIBLE" val="0"/>
-  <p:tag name="KSO_WM_UNIT_PRESET_TEXT_INDEX" val="3"/>
-  <p:tag name="KSO_WM_UNIT_PRESET_TEXT_LEN" val="17"/>
+  <p:tag name="KSO_WM_SLIDE_ID" val="custom160_9"/>
+  <p:tag name="KSO_WM_SLIDE_INDEX" val="9"/>
+  <p:tag name="KSO_WM_SLIDE_ITEM_CNT" val="4"/>
+  <p:tag name="KSO_WM_SLIDE_LAYOUT" val="a_l"/>
+  <p:tag name="KSO_WM_SLIDE_LAYOUT_CNT" val="1_1"/>
+  <p:tag name="KSO_WM_SLIDE_TYPE" val="contents"/>
+  <p:tag name="KSO_WM_BEAUTIFY_FLAG" val="#wm#"/>
+  <p:tag name="KSO_WM_TAG_VERSION" val="1.0"/>
+  <p:tag name="KSO_WM_SLIDE_POSITION" val="244*190"/>
+  <p:tag name="KSO_WM_SLIDE_SIZE" val="260*252"/>
+  <p:tag name="KSO_WM_DIAGRAM_GROUP_CODE" val="l1-1"/>
 </p:tagLst>
 </file>
 
 <file path=ppt/tags/tag24.xml><?xml version="1.0" encoding="utf-8"?>
-<p:tagLst xmlns:p="http://schemas.openxmlformats.org/presentationml/2006/main">
-  <p:tag name="KSO_WM_TEMPLATE_CATEGORY" val="custom"/>
-  <p:tag name="KSO_WM_TEMPLATE_INDEX" val="160"/>
-  <p:tag name="KSO_WM_SLIDE_ID" val="custom160_15"/>
-  <p:tag name="KSO_WM_SLIDE_INDEX" val="15"/>
-  <p:tag name="KSO_WM_SLIDE_ITEM_CNT" val="3"/>
-  <p:tag name="KSO_WM_SLIDE_LAYOUT" val="a_m"/>
-  <p:tag name="KSO_WM_SLIDE_LAYOUT_CNT" val="1_1"/>
-  <p:tag name="KSO_WM_SLIDE_TYPE" val="text"/>
-  <p:tag name="KSO_WM_BEAUTIFY_FLAG" val="#wm#"/>
-  <p:tag name="KSO_WM_TAG_VERSION" val="1.0"/>
-  <p:tag name="KSO_WM_SLIDE_POSITION" val="106*179"/>
-  <p:tag name="KSO_WM_SLIDE_SIZE" val="507*308"/>
-  <p:tag name="KSO_WM_DIAGRAM_GROUP_CODE" val="m1-1"/>
-</p:tagLst>
-</file>
-
-<file path=ppt/tags/tag25.xml><?xml version="1.0" encoding="utf-8"?>
 <p:tagLst xmlns:p="http://schemas.openxmlformats.org/presentationml/2006/main">
   <p:tag name="KSO_WM_TAG_VERSION" val="1.0"/>
   <p:tag name="KSO_WM_BEAUTIFY_FLAG" val="#wm#"/>
@@ -13462,7 +14580,7 @@
 </p:tagLst>
 </file>
 
-<file path=ppt/tags/tag26.xml><?xml version="1.0" encoding="utf-8"?>
+<file path=ppt/tags/tag25.xml><?xml version="1.0" encoding="utf-8"?>
 <p:tagLst xmlns:p="http://schemas.openxmlformats.org/presentationml/2006/main">
   <p:tag name="KSO_WM_TAG_VERSION" val="1.0"/>
   <p:tag name="KSO_WM_BEAUTIFY_FLAG" val="#wm#"/>
@@ -13482,7 +14600,7 @@
 </p:tagLst>
 </file>
 
-<file path=ppt/tags/tag27.xml><?xml version="1.0" encoding="utf-8"?>
+<file path=ppt/tags/tag26.xml><?xml version="1.0" encoding="utf-8"?>
 <p:tagLst xmlns:p="http://schemas.openxmlformats.org/presentationml/2006/main">
   <p:tag name="KSO_WM_TEMPLATE_CATEGORY" val="custom"/>
   <p:tag name="KSO_WM_TEMPLATE_INDEX" val="160"/>
@@ -13500,7 +14618,7 @@
 </p:tagLst>
 </file>
 
-<file path=ppt/tags/tag28.xml><?xml version="1.0" encoding="utf-8"?>
+<file path=ppt/tags/tag27.xml><?xml version="1.0" encoding="utf-8"?>
 <p:tagLst xmlns:p="http://schemas.openxmlformats.org/presentationml/2006/main">
   <p:tag name="KSO_WM_TAG_VERSION" val="1.0"/>
   <p:tag name="KSO_WM_BEAUTIFY_FLAG" val="#wm#"/>
@@ -13519,7 +14637,7 @@
 </p:tagLst>
 </file>
 
-<file path=ppt/tags/tag29.xml><?xml version="1.0" encoding="utf-8"?>
+<file path=ppt/tags/tag28.xml><?xml version="1.0" encoding="utf-8"?>
 <p:tagLst xmlns:p="http://schemas.openxmlformats.org/presentationml/2006/main">
   <p:tag name="KSO_WM_TAG_VERSION" val="1.0"/>
   <p:tag name="KSO_WM_BEAUTIFY_FLAG" val="#wm#"/>
@@ -13539,18 +14657,7 @@
 </p:tagLst>
 </file>
 
-<file path=ppt/tags/tag3.xml><?xml version="1.0" encoding="utf-8"?>
-<p:tagLst xmlns:p="http://schemas.openxmlformats.org/presentationml/2006/main">
-  <p:tag name="KSO_WM_TAG_VERSION" val="1.0"/>
-  <p:tag name="KSO_WM_BEAUTIFY_FLAG" val="#wm#"/>
-  <p:tag name="KSO_WM_UNIT_TYPE" val="i"/>
-  <p:tag name="KSO_WM_UNIT_ID" val="278*i*2"/>
-  <p:tag name="KSO_WM_TEMPLATE_CATEGORY" val="custom"/>
-  <p:tag name="KSO_WM_TEMPLATE_INDEX" val="160"/>
-</p:tagLst>
-</file>
-
-<file path=ppt/tags/tag30.xml><?xml version="1.0" encoding="utf-8"?>
+<file path=ppt/tags/tag29.xml><?xml version="1.0" encoding="utf-8"?>
 <p:tagLst xmlns:p="http://schemas.openxmlformats.org/presentationml/2006/main">
   <p:tag name="KSO_WM_TEMPLATE_CATEGORY" val="custom"/>
   <p:tag name="KSO_WM_TEMPLATE_INDEX" val="160"/>
@@ -13568,7 +14675,18 @@
 </p:tagLst>
 </file>
 
-<file path=ppt/tags/tag31.xml><?xml version="1.0" encoding="utf-8"?>
+<file path=ppt/tags/tag3.xml><?xml version="1.0" encoding="utf-8"?>
+<p:tagLst xmlns:p="http://schemas.openxmlformats.org/presentationml/2006/main">
+  <p:tag name="KSO_WM_TAG_VERSION" val="1.0"/>
+  <p:tag name="KSO_WM_BEAUTIFY_FLAG" val="#wm#"/>
+  <p:tag name="KSO_WM_UNIT_TYPE" val="i"/>
+  <p:tag name="KSO_WM_UNIT_ID" val="278*i*2"/>
+  <p:tag name="KSO_WM_TEMPLATE_CATEGORY" val="custom"/>
+  <p:tag name="KSO_WM_TEMPLATE_INDEX" val="160"/>
+</p:tagLst>
+</file>
+
+<file path=ppt/tags/tag30.xml><?xml version="1.0" encoding="utf-8"?>
 <p:tagLst xmlns:p="http://schemas.openxmlformats.org/presentationml/2006/main">
   <p:tag name="KSO_WM_TAG_VERSION" val="1.0"/>
   <p:tag name="KSO_WM_BEAUTIFY_FLAG" val="#wm#"/>
@@ -13587,7 +14705,7 @@
 </p:tagLst>
 </file>
 
-<file path=ppt/tags/tag32.xml><?xml version="1.0" encoding="utf-8"?>
+<file path=ppt/tags/tag31.xml><?xml version="1.0" encoding="utf-8"?>
 <p:tagLst xmlns:p="http://schemas.openxmlformats.org/presentationml/2006/main">
   <p:tag name="KSO_WM_TAG_VERSION" val="1.0"/>
   <p:tag name="KSO_WM_BEAUTIFY_FLAG" val="#wm#"/>
@@ -13607,7 +14725,7 @@
 </p:tagLst>
 </file>
 
-<file path=ppt/tags/tag33.xml><?xml version="1.0" encoding="utf-8"?>
+<file path=ppt/tags/tag32.xml><?xml version="1.0" encoding="utf-8"?>
 <p:tagLst xmlns:p="http://schemas.openxmlformats.org/presentationml/2006/main">
   <p:tag name="KSO_WM_TEMPLATE_CATEGORY" val="custom"/>
   <p:tag name="KSO_WM_TEMPLATE_INDEX" val="160"/>
@@ -13625,7 +14743,7 @@
 </p:tagLst>
 </file>
 
-<file path=ppt/tags/tag34.xml><?xml version="1.0" encoding="utf-8"?>
+<file path=ppt/tags/tag33.xml><?xml version="1.0" encoding="utf-8"?>
 <p:tagLst xmlns:p="http://schemas.openxmlformats.org/presentationml/2006/main">
   <p:tag name="KSO_WM_TAG_VERSION" val="1.0"/>
   <p:tag name="KSO_WM_BEAUTIFY_FLAG" val="#wm#"/>
@@ -13644,7 +14762,7 @@
 </p:tagLst>
 </file>
 
-<file path=ppt/tags/tag35.xml><?xml version="1.0" encoding="utf-8"?>
+<file path=ppt/tags/tag34.xml><?xml version="1.0" encoding="utf-8"?>
 <p:tagLst xmlns:p="http://schemas.openxmlformats.org/presentationml/2006/main">
   <p:tag name="KSO_WM_TAG_VERSION" val="1.0"/>
   <p:tag name="KSO_WM_BEAUTIFY_FLAG" val="#wm#"/>
@@ -13664,7 +14782,7 @@
 </p:tagLst>
 </file>
 
-<file path=ppt/tags/tag36.xml><?xml version="1.0" encoding="utf-8"?>
+<file path=ppt/tags/tag35.xml><?xml version="1.0" encoding="utf-8"?>
 <p:tagLst xmlns:p="http://schemas.openxmlformats.org/presentationml/2006/main">
   <p:tag name="KSO_WM_TEMPLATE_CATEGORY" val="custom"/>
   <p:tag name="KSO_WM_TEMPLATE_INDEX" val="160"/>
@@ -13682,7 +14800,7 @@
 </p:tagLst>
 </file>
 
-<file path=ppt/tags/tag37.xml><?xml version="1.0" encoding="utf-8"?>
+<file path=ppt/tags/tag36.xml><?xml version="1.0" encoding="utf-8"?>
 <p:tagLst xmlns:p="http://schemas.openxmlformats.org/presentationml/2006/main">
   <p:tag name="KSO_WM_TAG_VERSION" val="1.0"/>
   <p:tag name="KSO_WM_BEAUTIFY_FLAG" val="#wm#"/>
@@ -13701,7 +14819,7 @@
 </p:tagLst>
 </file>
 
-<file path=ppt/tags/tag38.xml><?xml version="1.0" encoding="utf-8"?>
+<file path=ppt/tags/tag37.xml><?xml version="1.0" encoding="utf-8"?>
 <p:tagLst xmlns:p="http://schemas.openxmlformats.org/presentationml/2006/main">
   <p:tag name="KSO_WM_TAG_VERSION" val="1.0"/>
   <p:tag name="KSO_WM_BEAUTIFY_FLAG" val="#wm#"/>
@@ -13721,7 +14839,7 @@
 </p:tagLst>
 </file>
 
-<file path=ppt/tags/tag39.xml><?xml version="1.0" encoding="utf-8"?>
+<file path=ppt/tags/tag38.xml><?xml version="1.0" encoding="utf-8"?>
 <p:tagLst xmlns:p="http://schemas.openxmlformats.org/presentationml/2006/main">
   <p:tag name="KSO_WM_TEMPLATE_CATEGORY" val="custom"/>
   <p:tag name="KSO_WM_TEMPLATE_INDEX" val="160"/>
@@ -13736,6 +14854,25 @@
   <p:tag name="KSO_WM_SLIDE_POSITION" val="106*179"/>
   <p:tag name="KSO_WM_SLIDE_SIZE" val="507*308"/>
   <p:tag name="KSO_WM_DIAGRAM_GROUP_CODE" val="m1-1"/>
+</p:tagLst>
+</file>
+
+<file path=ppt/tags/tag39.xml><?xml version="1.0" encoding="utf-8"?>
+<p:tagLst xmlns:p="http://schemas.openxmlformats.org/presentationml/2006/main">
+  <p:tag name="KSO_WM_TAG_VERSION" val="1.0"/>
+  <p:tag name="KSO_WM_BEAUTIFY_FLAG" val="#wm#"/>
+  <p:tag name="KSO_WM_TEMPLATE_CATEGORY" val="custom"/>
+  <p:tag name="KSO_WM_TEMPLATE_INDEX" val="160"/>
+  <p:tag name="KSO_WM_UNIT_TYPE" val="a"/>
+  <p:tag name="KSO_WM_UNIT_INDEX" val="1"/>
+  <p:tag name="KSO_WM_UNIT_ID" val="custom160_9*a*1"/>
+  <p:tag name="KSO_WM_UNIT_CLEAR" val="1"/>
+  <p:tag name="KSO_WM_UNIT_LAYERLEVEL" val="1"/>
+  <p:tag name="KSO_WM_UNIT_VALUE" val="8"/>
+  <p:tag name="KSO_WM_UNIT_ISCONTENTSTITLE" val="0"/>
+  <p:tag name="KSO_WM_UNIT_HIGHLIGHT" val="0"/>
+  <p:tag name="KSO_WM_UNIT_COMPATIBLE" val="0"/>
+  <p:tag name="KSO_WM_UNIT_PRESET_TEXT" val="CONTENTS"/>
 </p:tagLst>
 </file>
 
@@ -13758,6 +14895,44 @@
   <p:tag name="KSO_WM_TEMPLATE_INDEX" val="160"/>
   <p:tag name="KSO_WM_UNIT_TYPE" val="a"/>
   <p:tag name="KSO_WM_UNIT_INDEX" val="1"/>
+  <p:tag name="KSO_WM_UNIT_ID" val="custom160_15*a*1"/>
+  <p:tag name="KSO_WM_UNIT_CLEAR" val="1"/>
+  <p:tag name="KSO_WM_UNIT_LAYERLEVEL" val="1"/>
+  <p:tag name="KSO_WM_UNIT_VALUE" val="22"/>
+  <p:tag name="KSO_WM_UNIT_ISCONTENTSTITLE" val="0"/>
+  <p:tag name="KSO_WM_UNIT_HIGHLIGHT" val="0"/>
+  <p:tag name="KSO_WM_UNIT_COMPATIBLE" val="0"/>
+  <p:tag name="KSO_WM_UNIT_PRESET_TEXT_INDEX" val="3"/>
+  <p:tag name="KSO_WM_UNIT_PRESET_TEXT_LEN" val="17"/>
+</p:tagLst>
+</file>
+
+<file path=ppt/tags/tag41.xml><?xml version="1.0" encoding="utf-8"?>
+<p:tagLst xmlns:p="http://schemas.openxmlformats.org/presentationml/2006/main">
+  <p:tag name="KSO_WM_TEMPLATE_CATEGORY" val="custom"/>
+  <p:tag name="KSO_WM_TEMPLATE_INDEX" val="160"/>
+  <p:tag name="KSO_WM_SLIDE_ID" val="custom160_15"/>
+  <p:tag name="KSO_WM_SLIDE_INDEX" val="15"/>
+  <p:tag name="KSO_WM_SLIDE_ITEM_CNT" val="3"/>
+  <p:tag name="KSO_WM_SLIDE_LAYOUT" val="a_m"/>
+  <p:tag name="KSO_WM_SLIDE_LAYOUT_CNT" val="1_1"/>
+  <p:tag name="KSO_WM_SLIDE_TYPE" val="text"/>
+  <p:tag name="KSO_WM_BEAUTIFY_FLAG" val="#wm#"/>
+  <p:tag name="KSO_WM_TAG_VERSION" val="1.0"/>
+  <p:tag name="KSO_WM_SLIDE_POSITION" val="106*179"/>
+  <p:tag name="KSO_WM_SLIDE_SIZE" val="507*308"/>
+  <p:tag name="KSO_WM_DIAGRAM_GROUP_CODE" val="m1-1"/>
+</p:tagLst>
+</file>
+
+<file path=ppt/tags/tag42.xml><?xml version="1.0" encoding="utf-8"?>
+<p:tagLst xmlns:p="http://schemas.openxmlformats.org/presentationml/2006/main">
+  <p:tag name="KSO_WM_TAG_VERSION" val="1.0"/>
+  <p:tag name="KSO_WM_BEAUTIFY_FLAG" val="#wm#"/>
+  <p:tag name="KSO_WM_TEMPLATE_CATEGORY" val="custom"/>
+  <p:tag name="KSO_WM_TEMPLATE_INDEX" val="160"/>
+  <p:tag name="KSO_WM_UNIT_TYPE" val="a"/>
+  <p:tag name="KSO_WM_UNIT_INDEX" val="1"/>
   <p:tag name="KSO_WM_UNIT_ID" val="custom160_32*a*1"/>
   <p:tag name="KSO_WM_UNIT_CLEAR" val="1"/>
   <p:tag name="KSO_WM_UNIT_LAYERLEVEL" val="1"/>
@@ -13769,7 +14944,7 @@
 </p:tagLst>
 </file>
 
-<file path=ppt/tags/tag41.xml><?xml version="1.0" encoding="utf-8"?>
+<file path=ppt/tags/tag43.xml><?xml version="1.0" encoding="utf-8"?>
 <p:tagLst xmlns:p="http://schemas.openxmlformats.org/presentationml/2006/main">
   <p:tag name="KSO_WM_TEMPLATE_CATEGORY" val="custom"/>
   <p:tag name="KSO_WM_TEMPLATE_INDEX" val="160"/>
